--- a/slides/slide.pptx
+++ b/slides/slide.pptx
@@ -3719,29 +3719,6 @@
           </a:p>
         </p:txBody>
       </p:sp>
-      <p:pic>
-        <p:nvPicPr>
-          <p:cNvPr id="4" name="図 3"/>
-          <p:cNvPicPr>
-            <a:picLocks noChangeAspect="1"/>
-          </p:cNvPicPr>
-          <p:nvPr/>
-        </p:nvPicPr>
-        <p:blipFill rotWithShape="1">
-          <a:blip r:embed="rId6"/>
-          <a:srcRect l="23498" t="21799" r="62418" b="40517"/>
-          <a:stretch/>
-        </p:blipFill>
-        <p:spPr>
-          <a:xfrm>
-            <a:off x="492290" y="1530622"/>
-            <a:ext cx="3238149" cy="4873416"/>
-          </a:xfrm>
-          <a:prstGeom prst="rect">
-            <a:avLst/>
-          </a:prstGeom>
-        </p:spPr>
-      </p:pic>
     </p:spTree>
     <p:extLst>
       <p:ext uri="{BB962C8B-B14F-4D97-AF65-F5344CB8AC3E}">
